--- a/src/Презентация.pptx
+++ b/src/Презентация.pptx
@@ -218,7 +218,7 @@
           <a:p>
             <a:fld id="{03A73E7F-7578-4DD4-82FD-40C24D6EA17C}" type="datetimeFigureOut">
               <a:rPr lang="ru-RU" smtClean="0"/>
-              <a:t>13.06.2020</a:t>
+              <a:t>14.06.2020</a:t>
             </a:fld>
             <a:endParaRPr lang="ru-RU" dirty="0"/>
           </a:p>
@@ -1591,7 +1591,7 @@
           <a:p>
             <a:fld id="{592F0D80-164F-4ECE-A815-4FDD83F9BCA5}" type="datetime1">
               <a:rPr lang="ru-RU" smtClean="0"/>
-              <a:t>13.06.2020</a:t>
+              <a:t>14.06.2020</a:t>
             </a:fld>
             <a:endParaRPr lang="ru-RU" dirty="0"/>
           </a:p>
@@ -1765,7 +1765,7 @@
           <a:p>
             <a:fld id="{68F90CD5-AEFD-4FB0-8E05-A24BD20C7889}" type="datetime1">
               <a:rPr lang="ru-RU" smtClean="0"/>
-              <a:t>13.06.2020</a:t>
+              <a:t>14.06.2020</a:t>
             </a:fld>
             <a:endParaRPr lang="ru-RU" dirty="0"/>
           </a:p>
@@ -1949,7 +1949,7 @@
           <a:p>
             <a:fld id="{3045A9A4-3005-430B-8AC7-63EFCE895077}" type="datetime1">
               <a:rPr lang="ru-RU" smtClean="0"/>
-              <a:t>13.06.2020</a:t>
+              <a:t>14.06.2020</a:t>
             </a:fld>
             <a:endParaRPr lang="ru-RU" dirty="0"/>
           </a:p>
@@ -2123,7 +2123,7 @@
           <a:p>
             <a:fld id="{C5B88CD6-BB20-4C52-B81D-B7785C33963A}" type="datetime1">
               <a:rPr lang="ru-RU" smtClean="0"/>
-              <a:t>13.06.2020</a:t>
+              <a:t>14.06.2020</a:t>
             </a:fld>
             <a:endParaRPr lang="ru-RU" dirty="0"/>
           </a:p>
@@ -2373,7 +2373,7 @@
           <a:p>
             <a:fld id="{7D96B67C-FD54-4096-A385-8F8657C73047}" type="datetime1">
               <a:rPr lang="ru-RU" smtClean="0"/>
-              <a:t>13.06.2020</a:t>
+              <a:t>14.06.2020</a:t>
             </a:fld>
             <a:endParaRPr lang="ru-RU" dirty="0"/>
           </a:p>
@@ -2665,7 +2665,7 @@
           <a:p>
             <a:fld id="{BBA176E6-C242-4724-A575-17A3D2DBE5B9}" type="datetime1">
               <a:rPr lang="ru-RU" smtClean="0"/>
-              <a:t>13.06.2020</a:t>
+              <a:t>14.06.2020</a:t>
             </a:fld>
             <a:endParaRPr lang="ru-RU" dirty="0"/>
           </a:p>
@@ -3091,7 +3091,7 @@
           <a:p>
             <a:fld id="{3582084D-7615-4765-BEBB-FC2ADD0D2DA6}" type="datetime1">
               <a:rPr lang="ru-RU" smtClean="0"/>
-              <a:t>13.06.2020</a:t>
+              <a:t>14.06.2020</a:t>
             </a:fld>
             <a:endParaRPr lang="ru-RU" dirty="0"/>
           </a:p>
@@ -3213,7 +3213,7 @@
           <a:p>
             <a:fld id="{6D9003A1-BF28-48BC-9995-A08902293C2F}" type="datetime1">
               <a:rPr lang="ru-RU" smtClean="0"/>
-              <a:t>13.06.2020</a:t>
+              <a:t>14.06.2020</a:t>
             </a:fld>
             <a:endParaRPr lang="ru-RU" dirty="0"/>
           </a:p>
@@ -3312,7 +3312,7 @@
           <a:p>
             <a:fld id="{A53E2774-8C0E-4227-8A4F-13D7074C7957}" type="datetime1">
               <a:rPr lang="ru-RU" smtClean="0"/>
-              <a:t>13.06.2020</a:t>
+              <a:t>14.06.2020</a:t>
             </a:fld>
             <a:endParaRPr lang="ru-RU" dirty="0"/>
           </a:p>
@@ -3593,7 +3593,7 @@
           <a:p>
             <a:fld id="{BF9D009E-B0BA-40F4-9409-BAD477F7AA27}" type="datetime1">
               <a:rPr lang="ru-RU" smtClean="0"/>
-              <a:t>13.06.2020</a:t>
+              <a:t>14.06.2020</a:t>
             </a:fld>
             <a:endParaRPr lang="ru-RU" dirty="0"/>
           </a:p>
@@ -3854,7 +3854,7 @@
           <a:p>
             <a:fld id="{2D6E8B98-2144-49DA-A188-3A9AAE81BE8F}" type="datetime1">
               <a:rPr lang="ru-RU" smtClean="0"/>
-              <a:t>13.06.2020</a:t>
+              <a:t>14.06.2020</a:t>
             </a:fld>
             <a:endParaRPr lang="ru-RU" dirty="0"/>
           </a:p>
@@ -4080,7 +4080,7 @@
           <a:p>
             <a:fld id="{4F0E7E8C-EA9C-421C-A5E1-3533048FB457}" type="datetime1">
               <a:rPr lang="ru-RU" smtClean="0"/>
-              <a:t>13.06.2020</a:t>
+              <a:t>14.06.2020</a:t>
             </a:fld>
             <a:endParaRPr lang="ru-RU" dirty="0"/>
           </a:p>
@@ -13132,8 +13132,8 @@
         </p:nvSpPr>
         <p:spPr>
           <a:xfrm>
-            <a:off x="4560683" y="2979119"/>
-            <a:ext cx="4677577" cy="738664"/>
+            <a:off x="4572001" y="2733055"/>
+            <a:ext cx="4677577" cy="1061829"/>
           </a:xfrm>
           <a:prstGeom prst="rect">
             <a:avLst/>
@@ -13167,7 +13167,25 @@
             </a:r>
             <a:r>
               <a:rPr lang="ru-RU" sz="2100" i="1" dirty="0" smtClean="0"/>
-              <a:t>, Рабочие станции Пользователей</a:t>
+              <a:t>, Рабочие станции </a:t>
+            </a:r>
+            <a:r>
+              <a:rPr lang="ru-RU" sz="2100" i="1" dirty="0" smtClean="0"/>
+              <a:t>Пользователей, </a:t>
+            </a:r>
+          </a:p>
+          <a:p>
+            <a:r>
+              <a:rPr lang="ru-RU" sz="2100" i="1" dirty="0"/>
+              <a:t>Портал </a:t>
+            </a:r>
+            <a:r>
+              <a:rPr lang="ru-RU" sz="2100" i="1" dirty="0" smtClean="0"/>
+              <a:t>ДПО, </a:t>
+            </a:r>
+            <a:r>
+              <a:rPr lang="en-US" sz="2100" i="1" dirty="0" smtClean="0"/>
+              <a:t>distance.learning.ru</a:t>
             </a:r>
             <a:endParaRPr lang="ru-RU" sz="2100" i="1" dirty="0"/>
           </a:p>
@@ -14989,15 +15007,7 @@
                   <a:schemeClr val="accent3"/>
                 </a:solidFill>
               </a:rPr>
-              <a:t>Демонстрация результатов </a:t>
-            </a:r>
-            <a:r>
-              <a:rPr lang="ru-RU" sz="2000" b="1" dirty="0" smtClean="0">
-                <a:solidFill>
-                  <a:schemeClr val="accent3"/>
-                </a:solidFill>
-              </a:rPr>
-              <a:t>работы. Описание угроз</a:t>
+              <a:t>Демонстрация результатов работы. Описание угроз</a:t>
             </a:r>
             <a:endParaRPr lang="ru-RU" sz="2000" b="1" dirty="0">
               <a:solidFill>
@@ -15344,15 +15354,7 @@
                   <a:schemeClr val="accent3"/>
                 </a:solidFill>
               </a:rPr>
-              <a:t>Демонстрация результатов </a:t>
-            </a:r>
-            <a:r>
-              <a:rPr lang="ru-RU" sz="2000" b="1" dirty="0" smtClean="0">
-                <a:solidFill>
-                  <a:schemeClr val="accent3"/>
-                </a:solidFill>
-              </a:rPr>
-              <a:t>работы. Описание </a:t>
+              <a:t>Демонстрация результатов работы. Описание </a:t>
             </a:r>
             <a:r>
               <a:rPr lang="ru-RU" sz="2000" b="1" dirty="0" err="1" smtClean="0">
@@ -15706,15 +15708,7 @@
                   <a:schemeClr val="accent3"/>
                 </a:solidFill>
               </a:rPr>
-              <a:t>Демонстрация результатов </a:t>
-            </a:r>
-            <a:r>
-              <a:rPr lang="ru-RU" sz="2000" b="1" dirty="0" smtClean="0">
-                <a:solidFill>
-                  <a:schemeClr val="accent3"/>
-                </a:solidFill>
-              </a:rPr>
-              <a:t>работы. Описание </a:t>
+              <a:t>Демонстрация результатов работы. Описание </a:t>
             </a:r>
             <a:r>
               <a:rPr lang="ru-RU" sz="2000" b="1" dirty="0" err="1" smtClean="0">
@@ -15953,23 +15947,7 @@
                   <a:schemeClr val="accent3"/>
                 </a:solidFill>
               </a:rPr>
-              <a:t>Демонстрация результатов </a:t>
-            </a:r>
-            <a:r>
-              <a:rPr lang="ru-RU" sz="2000" b="1" dirty="0" smtClean="0">
-                <a:solidFill>
-                  <a:schemeClr val="accent3"/>
-                </a:solidFill>
-              </a:rPr>
-              <a:t>работы. </a:t>
-            </a:r>
-            <a:r>
-              <a:rPr lang="ru-RU" sz="2000" b="1" dirty="0" smtClean="0">
-                <a:solidFill>
-                  <a:schemeClr val="accent3"/>
-                </a:solidFill>
-              </a:rPr>
-              <a:t>Модель угроз</a:t>
+              <a:t>Демонстрация результатов работы. Модель угроз</a:t>
             </a:r>
             <a:endParaRPr lang="ru-RU" sz="2000" b="1" dirty="0">
               <a:solidFill>
@@ -16293,23 +16271,7 @@
                   <a:schemeClr val="accent3"/>
                 </a:solidFill>
               </a:rPr>
-              <a:t>Демонстрация результатов </a:t>
-            </a:r>
-            <a:r>
-              <a:rPr lang="ru-RU" sz="2000" b="1" dirty="0" smtClean="0">
-                <a:solidFill>
-                  <a:schemeClr val="accent3"/>
-                </a:solidFill>
-              </a:rPr>
-              <a:t>работы. </a:t>
-            </a:r>
-            <a:r>
-              <a:rPr lang="ru-RU" sz="2000" b="1" dirty="0" smtClean="0">
-                <a:solidFill>
-                  <a:schemeClr val="accent3"/>
-                </a:solidFill>
-              </a:rPr>
-              <a:t>Модель угроз</a:t>
+              <a:t>Демонстрация результатов работы. Модель угроз</a:t>
             </a:r>
             <a:endParaRPr lang="ru-RU" sz="2000" b="1" dirty="0">
               <a:solidFill>

--- a/src/Презентация.pptx
+++ b/src/Презентация.pptx
@@ -5,7 +5,7 @@
     <p:sldMasterId id="2147483672" r:id="rId1"/>
   </p:sldMasterIdLst>
   <p:notesMasterIdLst>
-    <p:notesMasterId r:id="rId13"/>
+    <p:notesMasterId r:id="rId14"/>
   </p:notesMasterIdLst>
   <p:sldIdLst>
     <p:sldId id="375" r:id="rId2"/>
@@ -17,8 +17,9 @@
     <p:sldId id="407" r:id="rId8"/>
     <p:sldId id="408" r:id="rId9"/>
     <p:sldId id="409" r:id="rId10"/>
-    <p:sldId id="410" r:id="rId11"/>
-    <p:sldId id="384" r:id="rId12"/>
+    <p:sldId id="411" r:id="rId11"/>
+    <p:sldId id="410" r:id="rId12"/>
+    <p:sldId id="384" r:id="rId13"/>
   </p:sldIdLst>
   <p:sldSz cx="9144000" cy="6858000" type="screen4x3"/>
   <p:notesSz cx="6797675" cy="9926638"/>
@@ -218,7 +219,7 @@
           <a:p>
             <a:fld id="{03A73E7F-7578-4DD4-82FD-40C24D6EA17C}" type="datetimeFigureOut">
               <a:rPr lang="ru-RU" smtClean="0"/>
-              <a:t>14.06.2020</a:t>
+              <a:t>28.06.2020</a:t>
             </a:fld>
             <a:endParaRPr lang="ru-RU" dirty="0"/>
           </a:p>
@@ -635,7 +636,7 @@
           <a:p>
             <a:fld id="{A8BC04A8-8E84-4CDF-9B92-36B2179632B4}" type="slidenum">
               <a:rPr lang="ru-RU" smtClean="0"/>
-              <a:t>10</a:t>
+              <a:t>11</a:t>
             </a:fld>
             <a:endParaRPr lang="ru-RU" dirty="0"/>
           </a:p>
@@ -719,7 +720,7 @@
           <a:p>
             <a:fld id="{A8BC04A8-8E84-4CDF-9B92-36B2179632B4}" type="slidenum">
               <a:rPr lang="ru-RU" smtClean="0"/>
-              <a:t>11</a:t>
+              <a:t>12</a:t>
             </a:fld>
             <a:endParaRPr lang="ru-RU" dirty="0"/>
           </a:p>
@@ -1591,7 +1592,7 @@
           <a:p>
             <a:fld id="{592F0D80-164F-4ECE-A815-4FDD83F9BCA5}" type="datetime1">
               <a:rPr lang="ru-RU" smtClean="0"/>
-              <a:t>14.06.2020</a:t>
+              <a:t>28.06.2020</a:t>
             </a:fld>
             <a:endParaRPr lang="ru-RU" dirty="0"/>
           </a:p>
@@ -1765,7 +1766,7 @@
           <a:p>
             <a:fld id="{68F90CD5-AEFD-4FB0-8E05-A24BD20C7889}" type="datetime1">
               <a:rPr lang="ru-RU" smtClean="0"/>
-              <a:t>14.06.2020</a:t>
+              <a:t>28.06.2020</a:t>
             </a:fld>
             <a:endParaRPr lang="ru-RU" dirty="0"/>
           </a:p>
@@ -1949,7 +1950,7 @@
           <a:p>
             <a:fld id="{3045A9A4-3005-430B-8AC7-63EFCE895077}" type="datetime1">
               <a:rPr lang="ru-RU" smtClean="0"/>
-              <a:t>14.06.2020</a:t>
+              <a:t>28.06.2020</a:t>
             </a:fld>
             <a:endParaRPr lang="ru-RU" dirty="0"/>
           </a:p>
@@ -2123,7 +2124,7 @@
           <a:p>
             <a:fld id="{C5B88CD6-BB20-4C52-B81D-B7785C33963A}" type="datetime1">
               <a:rPr lang="ru-RU" smtClean="0"/>
-              <a:t>14.06.2020</a:t>
+              <a:t>28.06.2020</a:t>
             </a:fld>
             <a:endParaRPr lang="ru-RU" dirty="0"/>
           </a:p>
@@ -2373,7 +2374,7 @@
           <a:p>
             <a:fld id="{7D96B67C-FD54-4096-A385-8F8657C73047}" type="datetime1">
               <a:rPr lang="ru-RU" smtClean="0"/>
-              <a:t>14.06.2020</a:t>
+              <a:t>28.06.2020</a:t>
             </a:fld>
             <a:endParaRPr lang="ru-RU" dirty="0"/>
           </a:p>
@@ -2665,7 +2666,7 @@
           <a:p>
             <a:fld id="{BBA176E6-C242-4724-A575-17A3D2DBE5B9}" type="datetime1">
               <a:rPr lang="ru-RU" smtClean="0"/>
-              <a:t>14.06.2020</a:t>
+              <a:t>28.06.2020</a:t>
             </a:fld>
             <a:endParaRPr lang="ru-RU" dirty="0"/>
           </a:p>
@@ -3091,7 +3092,7 @@
           <a:p>
             <a:fld id="{3582084D-7615-4765-BEBB-FC2ADD0D2DA6}" type="datetime1">
               <a:rPr lang="ru-RU" smtClean="0"/>
-              <a:t>14.06.2020</a:t>
+              <a:t>28.06.2020</a:t>
             </a:fld>
             <a:endParaRPr lang="ru-RU" dirty="0"/>
           </a:p>
@@ -3213,7 +3214,7 @@
           <a:p>
             <a:fld id="{6D9003A1-BF28-48BC-9995-A08902293C2F}" type="datetime1">
               <a:rPr lang="ru-RU" smtClean="0"/>
-              <a:t>14.06.2020</a:t>
+              <a:t>28.06.2020</a:t>
             </a:fld>
             <a:endParaRPr lang="ru-RU" dirty="0"/>
           </a:p>
@@ -3312,7 +3313,7 @@
           <a:p>
             <a:fld id="{A53E2774-8C0E-4227-8A4F-13D7074C7957}" type="datetime1">
               <a:rPr lang="ru-RU" smtClean="0"/>
-              <a:t>14.06.2020</a:t>
+              <a:t>28.06.2020</a:t>
             </a:fld>
             <a:endParaRPr lang="ru-RU" dirty="0"/>
           </a:p>
@@ -3593,7 +3594,7 @@
           <a:p>
             <a:fld id="{BF9D009E-B0BA-40F4-9409-BAD477F7AA27}" type="datetime1">
               <a:rPr lang="ru-RU" smtClean="0"/>
-              <a:t>14.06.2020</a:t>
+              <a:t>28.06.2020</a:t>
             </a:fld>
             <a:endParaRPr lang="ru-RU" dirty="0"/>
           </a:p>
@@ -3854,7 +3855,7 @@
           <a:p>
             <a:fld id="{2D6E8B98-2144-49DA-A188-3A9AAE81BE8F}" type="datetime1">
               <a:rPr lang="ru-RU" smtClean="0"/>
-              <a:t>14.06.2020</a:t>
+              <a:t>28.06.2020</a:t>
             </a:fld>
             <a:endParaRPr lang="ru-RU" dirty="0"/>
           </a:p>
@@ -4080,7 +4081,7 @@
           <a:p>
             <a:fld id="{4F0E7E8C-EA9C-421C-A5E1-3533048FB457}" type="datetime1">
               <a:rPr lang="ru-RU" smtClean="0"/>
-              <a:t>14.06.2020</a:t>
+              <a:t>28.06.2020</a:t>
             </a:fld>
             <a:endParaRPr lang="ru-RU" dirty="0"/>
           </a:p>
@@ -4665,6 +4666,253 @@
           <a:chExt cx="0" cy="0"/>
         </a:xfrm>
       </p:grpSpPr>
+      <p:sp>
+        <p:nvSpPr>
+          <p:cNvPr id="4" name="Номер слайда 3"/>
+          <p:cNvSpPr>
+            <a:spLocks noGrp="1"/>
+          </p:cNvSpPr>
+          <p:nvPr>
+            <p:ph type="sldNum" sz="quarter" idx="12"/>
+          </p:nvPr>
+        </p:nvSpPr>
+        <p:spPr/>
+        <p:txBody>
+          <a:bodyPr/>
+          <a:lstStyle/>
+          <a:p>
+            <a:fld id="{9DD0990C-240E-4F6D-96E9-50DBAF192F56}" type="slidenum">
+              <a:rPr lang="ru-RU" smtClean="0"/>
+              <a:t>10</a:t>
+            </a:fld>
+            <a:endParaRPr lang="ru-RU" dirty="0"/>
+          </a:p>
+        </p:txBody>
+      </p:sp>
+      <p:cxnSp>
+        <p:nvCxnSpPr>
+          <p:cNvPr id="5" name="Прямая соединительная линия 4"/>
+          <p:cNvCxnSpPr/>
+          <p:nvPr/>
+        </p:nvCxnSpPr>
+        <p:spPr>
+          <a:xfrm>
+            <a:off x="624937" y="764704"/>
+            <a:ext cx="6995063" cy="0"/>
+          </a:xfrm>
+          <a:prstGeom prst="line">
+            <a:avLst/>
+          </a:prstGeom>
+          <a:ln>
+            <a:solidFill>
+              <a:schemeClr val="tx1"/>
+            </a:solidFill>
+          </a:ln>
+        </p:spPr>
+        <p:style>
+          <a:lnRef idx="1">
+            <a:schemeClr val="accent1"/>
+          </a:lnRef>
+          <a:fillRef idx="0">
+            <a:schemeClr val="accent1"/>
+          </a:fillRef>
+          <a:effectRef idx="0">
+            <a:schemeClr val="accent1"/>
+          </a:effectRef>
+          <a:fontRef idx="minor">
+            <a:schemeClr val="tx1"/>
+          </a:fontRef>
+        </p:style>
+      </p:cxnSp>
+      <p:cxnSp>
+        <p:nvCxnSpPr>
+          <p:cNvPr id="6" name="Прямая соединительная линия 5"/>
+          <p:cNvCxnSpPr/>
+          <p:nvPr/>
+        </p:nvCxnSpPr>
+        <p:spPr>
+          <a:xfrm flipV="1">
+            <a:off x="797281" y="285976"/>
+            <a:ext cx="0" cy="720080"/>
+          </a:xfrm>
+          <a:prstGeom prst="line">
+            <a:avLst/>
+          </a:prstGeom>
+          <a:ln>
+            <a:solidFill>
+              <a:schemeClr val="tx1"/>
+            </a:solidFill>
+          </a:ln>
+        </p:spPr>
+        <p:style>
+          <a:lnRef idx="1">
+            <a:schemeClr val="accent1"/>
+          </a:lnRef>
+          <a:fillRef idx="0">
+            <a:schemeClr val="accent1"/>
+          </a:fillRef>
+          <a:effectRef idx="0">
+            <a:schemeClr val="accent1"/>
+          </a:effectRef>
+          <a:fontRef idx="minor">
+            <a:schemeClr val="tx1"/>
+          </a:fontRef>
+        </p:style>
+      </p:cxnSp>
+      <p:sp>
+        <p:nvSpPr>
+          <p:cNvPr id="7" name="Заголовок 2"/>
+          <p:cNvSpPr txBox="1">
+            <a:spLocks/>
+          </p:cNvSpPr>
+          <p:nvPr/>
+        </p:nvSpPr>
+        <p:spPr>
+          <a:xfrm>
+            <a:off x="861206" y="292710"/>
+            <a:ext cx="7725544" cy="504056"/>
+          </a:xfrm>
+          <a:prstGeom prst="rect">
+            <a:avLst/>
+          </a:prstGeom>
+        </p:spPr>
+        <p:txBody>
+          <a:bodyPr vert="horz" lIns="91440" tIns="45720" rIns="91440" bIns="45720" rtlCol="0" anchor="ctr">
+            <a:noAutofit/>
+          </a:bodyPr>
+          <a:lstStyle>
+            <a:defPPr>
+              <a:defRPr lang="ru-RU"/>
+            </a:defPPr>
+            <a:lvl1pPr>
+              <a:spcBef>
+                <a:spcPct val="0"/>
+              </a:spcBef>
+              <a:buNone/>
+              <a:defRPr sz="2000" b="1">
+                <a:solidFill>
+                  <a:srgbClr val="000000"/>
+                </a:solidFill>
+                <a:latin typeface="Arial"/>
+                <a:ea typeface="+mj-ea"/>
+                <a:cs typeface="Arial"/>
+              </a:defRPr>
+            </a:lvl1pPr>
+          </a:lstStyle>
+          <a:p>
+            <a:r>
+              <a:rPr lang="ru-RU" sz="1600" b="0" dirty="0" smtClean="0">
+                <a:solidFill>
+                  <a:schemeClr val="tx1"/>
+                </a:solidFill>
+              </a:rPr>
+              <a:t>ЧАСТНАЯ МОДЕЛЬ УГРОЗ</a:t>
+            </a:r>
+            <a:endParaRPr lang="ru-RU" sz="1600" b="0" dirty="0">
+              <a:solidFill>
+                <a:schemeClr val="tx1"/>
+              </a:solidFill>
+            </a:endParaRPr>
+          </a:p>
+        </p:txBody>
+      </p:sp>
+      <p:sp>
+        <p:nvSpPr>
+          <p:cNvPr id="8" name="TextBox 7"/>
+          <p:cNvSpPr txBox="1"/>
+          <p:nvPr/>
+        </p:nvSpPr>
+        <p:spPr>
+          <a:xfrm>
+            <a:off x="803589" y="773757"/>
+            <a:ext cx="7783161" cy="400110"/>
+          </a:xfrm>
+          <a:prstGeom prst="rect">
+            <a:avLst/>
+          </a:prstGeom>
+          <a:noFill/>
+        </p:spPr>
+        <p:txBody>
+          <a:bodyPr wrap="square" rtlCol="0">
+            <a:spAutoFit/>
+          </a:bodyPr>
+          <a:lstStyle/>
+          <a:p>
+            <a:r>
+              <a:rPr lang="ru-RU" sz="2000" b="1" dirty="0" smtClean="0">
+                <a:solidFill>
+                  <a:schemeClr val="accent3"/>
+                </a:solidFill>
+              </a:rPr>
+              <a:t>Демонстрация результатов работы. Модель угроз</a:t>
+            </a:r>
+            <a:endParaRPr lang="ru-RU" sz="2000" b="1" dirty="0">
+              <a:solidFill>
+                <a:schemeClr val="accent3"/>
+              </a:solidFill>
+            </a:endParaRPr>
+          </a:p>
+        </p:txBody>
+      </p:sp>
+      <p:pic>
+        <p:nvPicPr>
+          <p:cNvPr id="10" name="Рисунок 9"/>
+          <p:cNvPicPr>
+            <a:picLocks noChangeAspect="1"/>
+          </p:cNvPicPr>
+          <p:nvPr/>
+        </p:nvPicPr>
+        <p:blipFill>
+          <a:blip r:embed="rId2"/>
+          <a:stretch>
+            <a:fillRect/>
+          </a:stretch>
+        </p:blipFill>
+        <p:spPr>
+          <a:xfrm>
+            <a:off x="591468" y="1478050"/>
+            <a:ext cx="8193930" cy="4180903"/>
+          </a:xfrm>
+          <a:prstGeom prst="rect">
+            <a:avLst/>
+          </a:prstGeom>
+          <a:ln>
+            <a:solidFill>
+              <a:schemeClr val="tx1"/>
+            </a:solidFill>
+          </a:ln>
+        </p:spPr>
+      </p:pic>
+    </p:spTree>
+    <p:extLst>
+      <p:ext uri="{BB962C8B-B14F-4D97-AF65-F5344CB8AC3E}">
+        <p14:creationId xmlns:p14="http://schemas.microsoft.com/office/powerpoint/2010/main" val="2408242748"/>
+      </p:ext>
+    </p:extLst>
+  </p:cSld>
+  <p:clrMapOvr>
+    <a:masterClrMapping/>
+  </p:clrMapOvr>
+</p:sld>
+</file>
+
+<file path=ppt/slides/slide11.xml><?xml version="1.0" encoding="utf-8"?>
+<p:sld xmlns:a="http://schemas.openxmlformats.org/drawingml/2006/main" xmlns:r="http://schemas.openxmlformats.org/officeDocument/2006/relationships" xmlns:p="http://schemas.openxmlformats.org/presentationml/2006/main">
+  <p:cSld>
+    <p:spTree>
+      <p:nvGrpSpPr>
+        <p:cNvPr id="1" name=""/>
+        <p:cNvGrpSpPr/>
+        <p:nvPr/>
+      </p:nvGrpSpPr>
+      <p:grpSpPr>
+        <a:xfrm>
+          <a:off x="0" y="0"/>
+          <a:ext cx="0" cy="0"/>
+          <a:chOff x="0" y="0"/>
+          <a:chExt cx="0" cy="0"/>
+        </a:xfrm>
+      </p:grpSpPr>
       <p:cxnSp>
         <p:nvCxnSpPr>
           <p:cNvPr id="16" name="Прямая соединительная линия 15"/>
@@ -4997,7 +5245,7 @@
 </p:sld>
 </file>
 
-<file path=ppt/slides/slide11.xml><?xml version="1.0" encoding="utf-8"?>
+<file path=ppt/slides/slide12.xml><?xml version="1.0" encoding="utf-8"?>
 <p:sld xmlns:a="http://schemas.openxmlformats.org/drawingml/2006/main" xmlns:r="http://schemas.openxmlformats.org/officeDocument/2006/relationships" xmlns:p="http://schemas.openxmlformats.org/presentationml/2006/main">
   <p:cSld>
     <p:bg>
@@ -13167,11 +13415,7 @@
             </a:r>
             <a:r>
               <a:rPr lang="ru-RU" sz="2100" i="1" dirty="0" smtClean="0"/>
-              <a:t>, Рабочие станции </a:t>
-            </a:r>
-            <a:r>
-              <a:rPr lang="ru-RU" sz="2100" i="1" dirty="0" smtClean="0"/>
-              <a:t>Пользователей, </a:t>
+              <a:t>, Рабочие станции Пользователей, </a:t>
             </a:r>
           </a:p>
           <a:p>
